--- a/Presentation/PrometheusExporters.pptx
+++ b/Presentation/PrometheusExporters.pptx
@@ -21,6 +21,15 @@
     <p:sldId id="271" r:id="rId18"/>
     <p:sldId id="272" r:id="rId19"/>
     <p:sldId id="273" r:id="rId20"/>
+    <p:sldId id="274" r:id="rId21"/>
+    <p:sldId id="275" r:id="rId22"/>
+    <p:sldId id="276" r:id="rId23"/>
+    <p:sldId id="278" r:id="rId24"/>
+    <p:sldId id="279" r:id="rId25"/>
+    <p:sldId id="280" r:id="rId26"/>
+    <p:sldId id="281" r:id="rId27"/>
+    <p:sldId id="282" r:id="rId28"/>
+    <p:sldId id="283" r:id="rId29"/>
   </p:sldIdLst>
   <p:sldSz cx="12192000" cy="6858000"/>
   <p:notesSz cx="6858000" cy="9144000"/>
@@ -365,7 +374,7 @@
           <a:p>
             <a:fld id="{ED291B17-9318-49DB-B28B-6E5994AE9581}" type="datetime1">
               <a:rPr lang="en-US" smtClean="0"/>
-              <a:t>7/20/2021</a:t>
+              <a:t>7/22/2021</a:t>
             </a:fld>
             <a:endParaRPr lang="en-US" dirty="0"/>
           </a:p>
@@ -568,7 +577,7 @@
           <a:p>
             <a:fld id="{2CED4963-E985-44C4-B8C4-FDD613B7C2F8}" type="datetime1">
               <a:rPr lang="en-US" smtClean="0"/>
-              <a:t>7/20/2021</a:t>
+              <a:t>7/22/2021</a:t>
             </a:fld>
             <a:endParaRPr lang="en-US" dirty="0"/>
           </a:p>
@@ -930,7 +939,7 @@
           <a:p>
             <a:fld id="{ED291B17-9318-49DB-B28B-6E5994AE9581}" type="datetime1">
               <a:rPr lang="en-US" smtClean="0"/>
-              <a:t>7/20/2021</a:t>
+              <a:t>7/22/2021</a:t>
             </a:fld>
             <a:endParaRPr lang="en-US" dirty="0"/>
           </a:p>
@@ -1128,7 +1137,7 @@
           <a:p>
             <a:fld id="{78DD82B9-B8EE-4375-B6FF-88FA6ABB15D9}" type="datetime1">
               <a:rPr lang="en-US" smtClean="0"/>
-              <a:t>7/20/2021</a:t>
+              <a:t>7/22/2021</a:t>
             </a:fld>
             <a:endParaRPr lang="en-US" dirty="0"/>
           </a:p>
@@ -1440,7 +1449,7 @@
           <a:p>
             <a:fld id="{B2497495-0637-405E-AE64-5CC7506D51F5}" type="datetime1">
               <a:rPr lang="en-US" smtClean="0"/>
-              <a:t>7/20/2021</a:t>
+              <a:t>7/22/2021</a:t>
             </a:fld>
             <a:endParaRPr lang="en-US" dirty="0"/>
           </a:p>
@@ -1693,7 +1702,7 @@
           <a:p>
             <a:fld id="{7BFFD690-9426-415D-8B65-26881E07B2D4}" type="datetime1">
               <a:rPr lang="en-US" smtClean="0"/>
-              <a:t>7/20/2021</a:t>
+              <a:t>7/22/2021</a:t>
             </a:fld>
             <a:endParaRPr lang="en-US" dirty="0"/>
           </a:p>
@@ -2115,7 +2124,7 @@
           <a:p>
             <a:fld id="{04C4989A-474C-40DE-95B9-011C28B71673}" type="datetime1">
               <a:rPr lang="en-US" smtClean="0"/>
-              <a:t>7/20/2021</a:t>
+              <a:t>7/22/2021</a:t>
             </a:fld>
             <a:endParaRPr lang="en-US" dirty="0"/>
           </a:p>
@@ -2238,7 +2247,7 @@
           <a:p>
             <a:fld id="{5DB4ED54-5B5E-4A04-93D3-5772E3CE3818}" type="datetime1">
               <a:rPr lang="en-US" smtClean="0"/>
-              <a:t>7/20/2021</a:t>
+              <a:t>7/22/2021</a:t>
             </a:fld>
             <a:endParaRPr lang="en-US" dirty="0"/>
           </a:p>
@@ -2333,7 +2342,7 @@
           <a:p>
             <a:fld id="{4EDE50D6-574B-40AF-946F-D52A04ADE379}" type="datetime1">
               <a:rPr lang="en-US" smtClean="0"/>
-              <a:t>7/20/2021</a:t>
+              <a:t>7/22/2021</a:t>
             </a:fld>
             <a:endParaRPr lang="en-US" dirty="0"/>
           </a:p>
@@ -2710,7 +2719,7 @@
           <a:p>
             <a:fld id="{D82884F1-FFEA-405F-9602-3DCA865EDA4E}" type="datetime1">
               <a:rPr lang="en-US" smtClean="0"/>
-              <a:t>7/20/2021</a:t>
+              <a:t>7/22/2021</a:t>
             </a:fld>
             <a:endParaRPr lang="en-US" dirty="0"/>
           </a:p>
@@ -3003,7 +3012,7 @@
           <a:p>
             <a:fld id="{7E18DB4A-8810-4A10-AD5C-D5E2C667F5B3}" type="datetime1">
               <a:rPr lang="en-US" smtClean="0"/>
-              <a:t>7/20/2021</a:t>
+              <a:t>7/22/2021</a:t>
             </a:fld>
             <a:endParaRPr lang="en-US" dirty="0"/>
           </a:p>
@@ -3218,7 +3227,7 @@
           <a:p>
             <a:fld id="{ED291B17-9318-49DB-B28B-6E5994AE9581}" type="datetime1">
               <a:rPr lang="en-US" smtClean="0"/>
-              <a:t>7/20/2021</a:t>
+              <a:t>7/22/2021</a:t>
             </a:fld>
             <a:endParaRPr lang="en-US" dirty="0"/>
           </a:p>
@@ -4945,6 +4954,623 @@
 </p:sld>
 </file>
 
+<file path=ppt/slides/slide17.xml><?xml version="1.0" encoding="utf-8"?>
+<p:sld xmlns:a="http://schemas.openxmlformats.org/drawingml/2006/main" xmlns:r="http://schemas.openxmlformats.org/officeDocument/2006/relationships" xmlns:p="http://schemas.openxmlformats.org/presentationml/2006/main">
+  <p:cSld>
+    <p:spTree>
+      <p:nvGrpSpPr>
+        <p:cNvPr id="1" name=""/>
+        <p:cNvGrpSpPr/>
+        <p:nvPr/>
+      </p:nvGrpSpPr>
+      <p:grpSpPr>
+        <a:xfrm>
+          <a:off x="0" y="0"/>
+          <a:ext cx="0" cy="0"/>
+          <a:chOff x="0" y="0"/>
+          <a:chExt cx="0" cy="0"/>
+        </a:xfrm>
+      </p:grpSpPr>
+      <p:sp>
+        <p:nvSpPr>
+          <p:cNvPr id="2" name="Title 1">
+            <a:extLst>
+              <a:ext uri="{FF2B5EF4-FFF2-40B4-BE49-F238E27FC236}">
+                <a16:creationId xmlns:a16="http://schemas.microsoft.com/office/drawing/2014/main" id="{D9AA5C49-6275-4208-9F26-28B544090305}"/>
+              </a:ext>
+            </a:extLst>
+          </p:cNvPr>
+          <p:cNvSpPr>
+            <a:spLocks noGrp="1"/>
+          </p:cNvSpPr>
+          <p:nvPr>
+            <p:ph type="title"/>
+          </p:nvPr>
+        </p:nvSpPr>
+        <p:spPr>
+          <a:xfrm>
+            <a:off x="581192" y="702156"/>
+            <a:ext cx="11029616" cy="563936"/>
+          </a:xfrm>
+        </p:spPr>
+        <p:txBody>
+          <a:bodyPr/>
+          <a:lstStyle/>
+          <a:p>
+            <a:r>
+              <a:rPr lang="en-US" dirty="0"/>
+              <a:t>RabbitMQ Operator - 1</a:t>
+            </a:r>
+          </a:p>
+        </p:txBody>
+      </p:sp>
+      <p:pic>
+        <p:nvPicPr>
+          <p:cNvPr id="11" name="Picture 10">
+            <a:extLst>
+              <a:ext uri="{FF2B5EF4-FFF2-40B4-BE49-F238E27FC236}">
+                <a16:creationId xmlns:a16="http://schemas.microsoft.com/office/drawing/2014/main" id="{084CFA54-506A-430E-A4DA-35E0292F6148}"/>
+              </a:ext>
+            </a:extLst>
+          </p:cNvPr>
+          <p:cNvPicPr>
+            <a:picLocks noChangeAspect="1"/>
+          </p:cNvPicPr>
+          <p:nvPr/>
+        </p:nvPicPr>
+        <p:blipFill>
+          <a:blip r:embed="rId2"/>
+          <a:stretch>
+            <a:fillRect/>
+          </a:stretch>
+        </p:blipFill>
+        <p:spPr>
+          <a:xfrm>
+            <a:off x="0" y="1626021"/>
+            <a:ext cx="8840434" cy="1095528"/>
+          </a:xfrm>
+          <a:prstGeom prst="rect">
+            <a:avLst/>
+          </a:prstGeom>
+        </p:spPr>
+      </p:pic>
+      <p:sp>
+        <p:nvSpPr>
+          <p:cNvPr id="12" name="TextBox 11">
+            <a:extLst>
+              <a:ext uri="{FF2B5EF4-FFF2-40B4-BE49-F238E27FC236}">
+                <a16:creationId xmlns:a16="http://schemas.microsoft.com/office/drawing/2014/main" id="{A82490CF-6A0C-4E87-9B42-BEE9F877D036}"/>
+              </a:ext>
+            </a:extLst>
+          </p:cNvPr>
+          <p:cNvSpPr txBox="1"/>
+          <p:nvPr/>
+        </p:nvSpPr>
+        <p:spPr>
+          <a:xfrm>
+            <a:off x="-116055" y="4561697"/>
+            <a:ext cx="7533857" cy="369332"/>
+          </a:xfrm>
+          <a:prstGeom prst="rect">
+            <a:avLst/>
+          </a:prstGeom>
+          <a:noFill/>
+        </p:spPr>
+        <p:txBody>
+          <a:bodyPr wrap="none" rtlCol="0">
+            <a:spAutoFit/>
+          </a:bodyPr>
+          <a:lstStyle/>
+          <a:p>
+            <a:r>
+              <a:rPr lang="en-US" dirty="0"/>
+              <a:t>Install </a:t>
+            </a:r>
+            <a:r>
+              <a:rPr lang="en-US" dirty="0" err="1"/>
+              <a:t>krew</a:t>
+            </a:r>
+            <a:r>
+              <a:rPr lang="en-US" dirty="0"/>
+              <a:t> : https://krew.sigs.k8s.io/docs/user-guide/setup/install/#bash</a:t>
+            </a:r>
+          </a:p>
+        </p:txBody>
+      </p:sp>
+      <p:pic>
+        <p:nvPicPr>
+          <p:cNvPr id="16" name="Picture 15">
+            <a:extLst>
+              <a:ext uri="{FF2B5EF4-FFF2-40B4-BE49-F238E27FC236}">
+                <a16:creationId xmlns:a16="http://schemas.microsoft.com/office/drawing/2014/main" id="{959B8814-25F3-4109-94FD-F75346FCFFF5}"/>
+              </a:ext>
+            </a:extLst>
+          </p:cNvPr>
+          <p:cNvPicPr>
+            <a:picLocks noChangeAspect="1"/>
+          </p:cNvPicPr>
+          <p:nvPr/>
+        </p:nvPicPr>
+        <p:blipFill>
+          <a:blip r:embed="rId3"/>
+          <a:stretch>
+            <a:fillRect/>
+          </a:stretch>
+        </p:blipFill>
+        <p:spPr>
+          <a:xfrm>
+            <a:off x="8428" y="4946978"/>
+            <a:ext cx="7582958" cy="238158"/>
+          </a:xfrm>
+          <a:prstGeom prst="rect">
+            <a:avLst/>
+          </a:prstGeom>
+        </p:spPr>
+      </p:pic>
+      <p:pic>
+        <p:nvPicPr>
+          <p:cNvPr id="18" name="Picture 17">
+            <a:extLst>
+              <a:ext uri="{FF2B5EF4-FFF2-40B4-BE49-F238E27FC236}">
+                <a16:creationId xmlns:a16="http://schemas.microsoft.com/office/drawing/2014/main" id="{057C9542-AA90-43E9-8ED3-287761D8AFE6}"/>
+              </a:ext>
+            </a:extLst>
+          </p:cNvPr>
+          <p:cNvPicPr>
+            <a:picLocks noChangeAspect="1"/>
+          </p:cNvPicPr>
+          <p:nvPr/>
+        </p:nvPicPr>
+        <p:blipFill>
+          <a:blip r:embed="rId4"/>
+          <a:stretch>
+            <a:fillRect/>
+          </a:stretch>
+        </p:blipFill>
+        <p:spPr>
+          <a:xfrm>
+            <a:off x="8428" y="3826289"/>
+            <a:ext cx="12192000" cy="433409"/>
+          </a:xfrm>
+          <a:prstGeom prst="rect">
+            <a:avLst/>
+          </a:prstGeom>
+        </p:spPr>
+      </p:pic>
+      <p:sp>
+        <p:nvSpPr>
+          <p:cNvPr id="19" name="TextBox 18">
+            <a:extLst>
+              <a:ext uri="{FF2B5EF4-FFF2-40B4-BE49-F238E27FC236}">
+                <a16:creationId xmlns:a16="http://schemas.microsoft.com/office/drawing/2014/main" id="{0B99BC3B-11EF-4DEC-A66F-C6D67CC69ABB}"/>
+              </a:ext>
+            </a:extLst>
+          </p:cNvPr>
+          <p:cNvSpPr txBox="1"/>
+          <p:nvPr/>
+        </p:nvSpPr>
+        <p:spPr>
+          <a:xfrm>
+            <a:off x="73002" y="1275413"/>
+            <a:ext cx="1949829" cy="369332"/>
+          </a:xfrm>
+          <a:prstGeom prst="rect">
+            <a:avLst/>
+          </a:prstGeom>
+          <a:noFill/>
+        </p:spPr>
+        <p:txBody>
+          <a:bodyPr wrap="none" rtlCol="0">
+            <a:spAutoFit/>
+          </a:bodyPr>
+          <a:lstStyle/>
+          <a:p>
+            <a:r>
+              <a:rPr lang="en-US" dirty="0"/>
+              <a:t>Install Kubernetes</a:t>
+            </a:r>
+          </a:p>
+        </p:txBody>
+      </p:sp>
+      <p:sp>
+        <p:nvSpPr>
+          <p:cNvPr id="20" name="TextBox 19">
+            <a:extLst>
+              <a:ext uri="{FF2B5EF4-FFF2-40B4-BE49-F238E27FC236}">
+                <a16:creationId xmlns:a16="http://schemas.microsoft.com/office/drawing/2014/main" id="{2A7FC625-846F-437B-83B2-5CAEAD477E47}"/>
+              </a:ext>
+            </a:extLst>
+          </p:cNvPr>
+          <p:cNvSpPr txBox="1"/>
+          <p:nvPr/>
+        </p:nvSpPr>
+        <p:spPr>
+          <a:xfrm>
+            <a:off x="-672" y="3456957"/>
+            <a:ext cx="2023503" cy="369332"/>
+          </a:xfrm>
+          <a:prstGeom prst="rect">
+            <a:avLst/>
+          </a:prstGeom>
+          <a:noFill/>
+        </p:spPr>
+        <p:txBody>
+          <a:bodyPr wrap="none" rtlCol="0">
+            <a:spAutoFit/>
+          </a:bodyPr>
+          <a:lstStyle/>
+          <a:p>
+            <a:r>
+              <a:rPr lang="en-US" dirty="0"/>
+              <a:t>Set a storage class</a:t>
+            </a:r>
+          </a:p>
+        </p:txBody>
+      </p:sp>
+      <p:pic>
+        <p:nvPicPr>
+          <p:cNvPr id="22" name="Picture 21">
+            <a:extLst>
+              <a:ext uri="{FF2B5EF4-FFF2-40B4-BE49-F238E27FC236}">
+                <a16:creationId xmlns:a16="http://schemas.microsoft.com/office/drawing/2014/main" id="{3BF78CA2-8667-47BA-BE7D-27E68903899B}"/>
+              </a:ext>
+            </a:extLst>
+          </p:cNvPr>
+          <p:cNvPicPr>
+            <a:picLocks noChangeAspect="1"/>
+          </p:cNvPicPr>
+          <p:nvPr/>
+        </p:nvPicPr>
+        <p:blipFill>
+          <a:blip r:embed="rId5"/>
+          <a:stretch>
+            <a:fillRect/>
+          </a:stretch>
+        </p:blipFill>
+        <p:spPr>
+          <a:xfrm>
+            <a:off x="0" y="4338483"/>
+            <a:ext cx="12192000" cy="226280"/>
+          </a:xfrm>
+          <a:prstGeom prst="rect">
+            <a:avLst/>
+          </a:prstGeom>
+        </p:spPr>
+      </p:pic>
+      <p:sp>
+        <p:nvSpPr>
+          <p:cNvPr id="24" name="TextBox 23">
+            <a:extLst>
+              <a:ext uri="{FF2B5EF4-FFF2-40B4-BE49-F238E27FC236}">
+                <a16:creationId xmlns:a16="http://schemas.microsoft.com/office/drawing/2014/main" id="{751716F4-BE58-4007-A845-B47BB0739352}"/>
+              </a:ext>
+            </a:extLst>
+          </p:cNvPr>
+          <p:cNvSpPr txBox="1"/>
+          <p:nvPr/>
+        </p:nvSpPr>
+        <p:spPr>
+          <a:xfrm>
+            <a:off x="73002" y="2856577"/>
+            <a:ext cx="6124574" cy="369332"/>
+          </a:xfrm>
+          <a:prstGeom prst="rect">
+            <a:avLst/>
+          </a:prstGeom>
+          <a:noFill/>
+        </p:spPr>
+        <p:txBody>
+          <a:bodyPr wrap="square">
+            <a:spAutoFit/>
+          </a:bodyPr>
+          <a:lstStyle/>
+          <a:p>
+            <a:r>
+              <a:rPr lang="en-US" dirty="0"/>
+              <a:t>Also set https://microk8s.io/docs/working-with-kubectl</a:t>
+            </a:r>
+          </a:p>
+        </p:txBody>
+      </p:sp>
+      <p:pic>
+        <p:nvPicPr>
+          <p:cNvPr id="26" name="Picture 25">
+            <a:extLst>
+              <a:ext uri="{FF2B5EF4-FFF2-40B4-BE49-F238E27FC236}">
+                <a16:creationId xmlns:a16="http://schemas.microsoft.com/office/drawing/2014/main" id="{693DD039-9E25-4F39-B941-8D1F2C446023}"/>
+              </a:ext>
+            </a:extLst>
+          </p:cNvPr>
+          <p:cNvPicPr>
+            <a:picLocks noChangeAspect="1"/>
+          </p:cNvPicPr>
+          <p:nvPr/>
+        </p:nvPicPr>
+        <p:blipFill>
+          <a:blip r:embed="rId6"/>
+          <a:stretch>
+            <a:fillRect/>
+          </a:stretch>
+        </p:blipFill>
+        <p:spPr>
+          <a:xfrm>
+            <a:off x="73002" y="3218799"/>
+            <a:ext cx="7344800" cy="219106"/>
+          </a:xfrm>
+          <a:prstGeom prst="rect">
+            <a:avLst/>
+          </a:prstGeom>
+        </p:spPr>
+      </p:pic>
+    </p:spTree>
+    <p:extLst>
+      <p:ext uri="{BB962C8B-B14F-4D97-AF65-F5344CB8AC3E}">
+        <p14:creationId xmlns:p14="http://schemas.microsoft.com/office/powerpoint/2010/main" val="3640861716"/>
+      </p:ext>
+    </p:extLst>
+  </p:cSld>
+  <p:clrMapOvr>
+    <a:masterClrMapping/>
+  </p:clrMapOvr>
+</p:sld>
+</file>
+
+<file path=ppt/slides/slide18.xml><?xml version="1.0" encoding="utf-8"?>
+<p:sld xmlns:a="http://schemas.openxmlformats.org/drawingml/2006/main" xmlns:r="http://schemas.openxmlformats.org/officeDocument/2006/relationships" xmlns:p="http://schemas.openxmlformats.org/presentationml/2006/main">
+  <p:cSld>
+    <p:spTree>
+      <p:nvGrpSpPr>
+        <p:cNvPr id="1" name=""/>
+        <p:cNvGrpSpPr/>
+        <p:nvPr/>
+      </p:nvGrpSpPr>
+      <p:grpSpPr>
+        <a:xfrm>
+          <a:off x="0" y="0"/>
+          <a:ext cx="0" cy="0"/>
+          <a:chOff x="0" y="0"/>
+          <a:chExt cx="0" cy="0"/>
+        </a:xfrm>
+      </p:grpSpPr>
+      <p:sp>
+        <p:nvSpPr>
+          <p:cNvPr id="2" name="Title 1">
+            <a:extLst>
+              <a:ext uri="{FF2B5EF4-FFF2-40B4-BE49-F238E27FC236}">
+                <a16:creationId xmlns:a16="http://schemas.microsoft.com/office/drawing/2014/main" id="{D9AA5C49-6275-4208-9F26-28B544090305}"/>
+              </a:ext>
+            </a:extLst>
+          </p:cNvPr>
+          <p:cNvSpPr>
+            <a:spLocks noGrp="1"/>
+          </p:cNvSpPr>
+          <p:nvPr>
+            <p:ph type="title"/>
+          </p:nvPr>
+        </p:nvSpPr>
+        <p:spPr>
+          <a:xfrm>
+            <a:off x="581192" y="702156"/>
+            <a:ext cx="11029616" cy="563936"/>
+          </a:xfrm>
+        </p:spPr>
+        <p:txBody>
+          <a:bodyPr/>
+          <a:lstStyle/>
+          <a:p>
+            <a:r>
+              <a:rPr lang="en-US" dirty="0"/>
+              <a:t>RabbitMQ Operator - 2</a:t>
+            </a:r>
+          </a:p>
+        </p:txBody>
+      </p:sp>
+      <p:pic>
+        <p:nvPicPr>
+          <p:cNvPr id="4" name="Picture 3">
+            <a:extLst>
+              <a:ext uri="{FF2B5EF4-FFF2-40B4-BE49-F238E27FC236}">
+                <a16:creationId xmlns:a16="http://schemas.microsoft.com/office/drawing/2014/main" id="{800F3740-F777-4E64-B6CB-9446F01AEAC2}"/>
+              </a:ext>
+            </a:extLst>
+          </p:cNvPr>
+          <p:cNvPicPr>
+            <a:picLocks noChangeAspect="1"/>
+          </p:cNvPicPr>
+          <p:nvPr/>
+        </p:nvPicPr>
+        <p:blipFill>
+          <a:blip r:embed="rId2"/>
+          <a:stretch>
+            <a:fillRect/>
+          </a:stretch>
+        </p:blipFill>
+        <p:spPr>
+          <a:xfrm>
+            <a:off x="0" y="1395245"/>
+            <a:ext cx="9707330" cy="2391109"/>
+          </a:xfrm>
+          <a:prstGeom prst="rect">
+            <a:avLst/>
+          </a:prstGeom>
+        </p:spPr>
+      </p:pic>
+      <p:pic>
+        <p:nvPicPr>
+          <p:cNvPr id="6" name="Picture 5">
+            <a:extLst>
+              <a:ext uri="{FF2B5EF4-FFF2-40B4-BE49-F238E27FC236}">
+                <a16:creationId xmlns:a16="http://schemas.microsoft.com/office/drawing/2014/main" id="{199CD77D-26B4-4D62-A5F2-9353EEEF262A}"/>
+              </a:ext>
+            </a:extLst>
+          </p:cNvPr>
+          <p:cNvPicPr>
+            <a:picLocks noChangeAspect="1"/>
+          </p:cNvPicPr>
+          <p:nvPr/>
+        </p:nvPicPr>
+        <p:blipFill>
+          <a:blip r:embed="rId3"/>
+          <a:stretch>
+            <a:fillRect/>
+          </a:stretch>
+        </p:blipFill>
+        <p:spPr>
+          <a:xfrm>
+            <a:off x="0" y="3915507"/>
+            <a:ext cx="7067550" cy="1762125"/>
+          </a:xfrm>
+          <a:prstGeom prst="rect">
+            <a:avLst/>
+          </a:prstGeom>
+        </p:spPr>
+      </p:pic>
+    </p:spTree>
+    <p:extLst>
+      <p:ext uri="{BB962C8B-B14F-4D97-AF65-F5344CB8AC3E}">
+        <p14:creationId xmlns:p14="http://schemas.microsoft.com/office/powerpoint/2010/main" val="2464782668"/>
+      </p:ext>
+    </p:extLst>
+  </p:cSld>
+  <p:clrMapOvr>
+    <a:masterClrMapping/>
+  </p:clrMapOvr>
+</p:sld>
+</file>
+
+<file path=ppt/slides/slide19.xml><?xml version="1.0" encoding="utf-8"?>
+<p:sld xmlns:a="http://schemas.openxmlformats.org/drawingml/2006/main" xmlns:r="http://schemas.openxmlformats.org/officeDocument/2006/relationships" xmlns:p="http://schemas.openxmlformats.org/presentationml/2006/main">
+  <p:cSld>
+    <p:spTree>
+      <p:nvGrpSpPr>
+        <p:cNvPr id="1" name=""/>
+        <p:cNvGrpSpPr/>
+        <p:nvPr/>
+      </p:nvGrpSpPr>
+      <p:grpSpPr>
+        <a:xfrm>
+          <a:off x="0" y="0"/>
+          <a:ext cx="0" cy="0"/>
+          <a:chOff x="0" y="0"/>
+          <a:chExt cx="0" cy="0"/>
+        </a:xfrm>
+      </p:grpSpPr>
+      <p:sp>
+        <p:nvSpPr>
+          <p:cNvPr id="2" name="Title 1">
+            <a:extLst>
+              <a:ext uri="{FF2B5EF4-FFF2-40B4-BE49-F238E27FC236}">
+                <a16:creationId xmlns:a16="http://schemas.microsoft.com/office/drawing/2014/main" id="{D7C8F63F-0BA5-41F4-94BD-4C314832907F}"/>
+              </a:ext>
+            </a:extLst>
+          </p:cNvPr>
+          <p:cNvSpPr>
+            <a:spLocks noGrp="1"/>
+          </p:cNvSpPr>
+          <p:nvPr>
+            <p:ph type="title"/>
+          </p:nvPr>
+        </p:nvSpPr>
+        <p:spPr>
+          <a:xfrm>
+            <a:off x="581192" y="702156"/>
+            <a:ext cx="11029616" cy="507519"/>
+          </a:xfrm>
+        </p:spPr>
+        <p:txBody>
+          <a:bodyPr>
+            <a:normAutofit fontScale="90000"/>
+          </a:bodyPr>
+          <a:lstStyle/>
+          <a:p>
+            <a:r>
+              <a:rPr lang="en-US" dirty="0"/>
+              <a:t>Create </a:t>
+            </a:r>
+            <a:r>
+              <a:rPr lang="en-US" dirty="0" err="1"/>
+              <a:t>rabbitmq</a:t>
+            </a:r>
+            <a:r>
+              <a:rPr lang="en-US" dirty="0"/>
+              <a:t> INSTANCE with three replicas</a:t>
+            </a:r>
+          </a:p>
+        </p:txBody>
+      </p:sp>
+      <p:pic>
+        <p:nvPicPr>
+          <p:cNvPr id="5" name="Picture 4">
+            <a:extLst>
+              <a:ext uri="{FF2B5EF4-FFF2-40B4-BE49-F238E27FC236}">
+                <a16:creationId xmlns:a16="http://schemas.microsoft.com/office/drawing/2014/main" id="{4CE2A040-D23A-4CDA-8E67-94AED602FDA6}"/>
+              </a:ext>
+            </a:extLst>
+          </p:cNvPr>
+          <p:cNvPicPr>
+            <a:picLocks noChangeAspect="1"/>
+          </p:cNvPicPr>
+          <p:nvPr/>
+        </p:nvPicPr>
+        <p:blipFill>
+          <a:blip r:embed="rId2"/>
+          <a:stretch>
+            <a:fillRect/>
+          </a:stretch>
+        </p:blipFill>
+        <p:spPr>
+          <a:xfrm>
+            <a:off x="161247" y="1209675"/>
+            <a:ext cx="9716856" cy="476316"/>
+          </a:xfrm>
+          <a:prstGeom prst="rect">
+            <a:avLst/>
+          </a:prstGeom>
+        </p:spPr>
+      </p:pic>
+      <p:pic>
+        <p:nvPicPr>
+          <p:cNvPr id="7" name="Picture 6">
+            <a:extLst>
+              <a:ext uri="{FF2B5EF4-FFF2-40B4-BE49-F238E27FC236}">
+                <a16:creationId xmlns:a16="http://schemas.microsoft.com/office/drawing/2014/main" id="{310B50D0-5AFE-428E-A266-F69A321D4072}"/>
+              </a:ext>
+            </a:extLst>
+          </p:cNvPr>
+          <p:cNvPicPr>
+            <a:picLocks noChangeAspect="1"/>
+          </p:cNvPicPr>
+          <p:nvPr/>
+        </p:nvPicPr>
+        <p:blipFill>
+          <a:blip r:embed="rId3"/>
+          <a:stretch>
+            <a:fillRect/>
+          </a:stretch>
+        </p:blipFill>
+        <p:spPr>
+          <a:xfrm>
+            <a:off x="161247" y="1895229"/>
+            <a:ext cx="11603069" cy="3524742"/>
+          </a:xfrm>
+          <a:prstGeom prst="rect">
+            <a:avLst/>
+          </a:prstGeom>
+        </p:spPr>
+      </p:pic>
+    </p:spTree>
+    <p:extLst>
+      <p:ext uri="{BB962C8B-B14F-4D97-AF65-F5344CB8AC3E}">
+        <p14:creationId xmlns:p14="http://schemas.microsoft.com/office/powerpoint/2010/main" val="102773345"/>
+      </p:ext>
+    </p:extLst>
+  </p:cSld>
+  <p:clrMapOvr>
+    <a:masterClrMapping/>
+  </p:clrMapOvr>
+</p:sld>
+</file>
+
 <file path=ppt/slides/slide2.xml><?xml version="1.0" encoding="utf-8"?>
 <p:sld xmlns:a="http://schemas.openxmlformats.org/drawingml/2006/main" xmlns:r="http://schemas.openxmlformats.org/officeDocument/2006/relationships" xmlns:p="http://schemas.openxmlformats.org/presentationml/2006/main">
   <p:cSld>
@@ -5121,6 +5747,879 @@
     <p:extLst>
       <p:ext uri="{BB962C8B-B14F-4D97-AF65-F5344CB8AC3E}">
         <p14:creationId xmlns:p14="http://schemas.microsoft.com/office/powerpoint/2010/main" val="658378850"/>
+      </p:ext>
+    </p:extLst>
+  </p:cSld>
+  <p:clrMapOvr>
+    <a:masterClrMapping/>
+  </p:clrMapOvr>
+</p:sld>
+</file>
+
+<file path=ppt/slides/slide20.xml><?xml version="1.0" encoding="utf-8"?>
+<p:sld xmlns:a="http://schemas.openxmlformats.org/drawingml/2006/main" xmlns:r="http://schemas.openxmlformats.org/officeDocument/2006/relationships" xmlns:p="http://schemas.openxmlformats.org/presentationml/2006/main">
+  <p:cSld>
+    <p:spTree>
+      <p:nvGrpSpPr>
+        <p:cNvPr id="1" name=""/>
+        <p:cNvGrpSpPr/>
+        <p:nvPr/>
+      </p:nvGrpSpPr>
+      <p:grpSpPr>
+        <a:xfrm>
+          <a:off x="0" y="0"/>
+          <a:ext cx="0" cy="0"/>
+          <a:chOff x="0" y="0"/>
+          <a:chExt cx="0" cy="0"/>
+        </a:xfrm>
+      </p:grpSpPr>
+      <p:sp>
+        <p:nvSpPr>
+          <p:cNvPr id="2" name="Title 1">
+            <a:extLst>
+              <a:ext uri="{FF2B5EF4-FFF2-40B4-BE49-F238E27FC236}">
+                <a16:creationId xmlns:a16="http://schemas.microsoft.com/office/drawing/2014/main" id="{F6BACAC5-1370-486A-8353-499FC8387CBA}"/>
+              </a:ext>
+            </a:extLst>
+          </p:cNvPr>
+          <p:cNvSpPr>
+            <a:spLocks noGrp="1"/>
+          </p:cNvSpPr>
+          <p:nvPr>
+            <p:ph type="title"/>
+          </p:nvPr>
+        </p:nvSpPr>
+        <p:spPr>
+          <a:xfrm>
+            <a:off x="581192" y="702156"/>
+            <a:ext cx="11029616" cy="564669"/>
+          </a:xfrm>
+        </p:spPr>
+        <p:txBody>
+          <a:bodyPr/>
+          <a:lstStyle/>
+          <a:p>
+            <a:r>
+              <a:rPr lang="en-US" dirty="0"/>
+              <a:t>Monitoring network end points</a:t>
+            </a:r>
+          </a:p>
+        </p:txBody>
+      </p:sp>
+      <p:sp>
+        <p:nvSpPr>
+          <p:cNvPr id="4" name="TextBox 3">
+            <a:extLst>
+              <a:ext uri="{FF2B5EF4-FFF2-40B4-BE49-F238E27FC236}">
+                <a16:creationId xmlns:a16="http://schemas.microsoft.com/office/drawing/2014/main" id="{1CE222D9-8856-432F-9A9F-EBD2BF206400}"/>
+              </a:ext>
+            </a:extLst>
+          </p:cNvPr>
+          <p:cNvSpPr txBox="1"/>
+          <p:nvPr/>
+        </p:nvSpPr>
+        <p:spPr>
+          <a:xfrm>
+            <a:off x="66675" y="1300088"/>
+            <a:ext cx="12110367" cy="4524315"/>
+          </a:xfrm>
+          <a:prstGeom prst="rect">
+            <a:avLst/>
+          </a:prstGeom>
+          <a:noFill/>
+        </p:spPr>
+        <p:txBody>
+          <a:bodyPr wrap="none" rtlCol="0">
+            <a:spAutoFit/>
+          </a:bodyPr>
+          <a:lstStyle/>
+          <a:p>
+            <a:r>
+              <a:rPr lang="en-US" dirty="0"/>
+              <a:t>Sometimes a server might be up internally, but not available externally where users access it. Having an external monitor to</a:t>
+            </a:r>
+          </a:p>
+          <a:p>
+            <a:r>
+              <a:rPr lang="en-US" dirty="0"/>
+              <a:t>check the service help determine real availability. </a:t>
+            </a:r>
+          </a:p>
+          <a:p>
+            <a:endParaRPr lang="en-US" dirty="0"/>
+          </a:p>
+          <a:p>
+            <a:r>
+              <a:rPr lang="en-US" dirty="0"/>
+              <a:t>The Prometheus Blackbox Exporter allows to probe different endpoints, including HTTP, HTTPS, TCP, DNS, and ICMP. </a:t>
+            </a:r>
+          </a:p>
+          <a:p>
+            <a:r>
+              <a:rPr lang="en-US" dirty="0"/>
+              <a:t>Can determine following things :</a:t>
+            </a:r>
+          </a:p>
+          <a:p>
+            <a:r>
+              <a:rPr lang="en-US" dirty="0"/>
+              <a:t> Service is up or down.  </a:t>
+            </a:r>
+          </a:p>
+          <a:p>
+            <a:r>
+              <a:rPr lang="en-US" dirty="0"/>
+              <a:t> Service availability.</a:t>
+            </a:r>
+          </a:p>
+          <a:p>
+            <a:r>
+              <a:rPr lang="en-US" dirty="0"/>
+              <a:t> Measure HTTP latency.</a:t>
+            </a:r>
+          </a:p>
+          <a:p>
+            <a:r>
+              <a:rPr lang="en-US" dirty="0"/>
+              <a:t> DNS lookup latency. </a:t>
+            </a:r>
+          </a:p>
+          <a:p>
+            <a:r>
+              <a:rPr lang="en-US" dirty="0"/>
+              <a:t> Monitor SSL certificate expiration. </a:t>
+            </a:r>
+          </a:p>
+          <a:p>
+            <a:endParaRPr lang="en-US" dirty="0"/>
+          </a:p>
+          <a:p>
+            <a:r>
+              <a:rPr lang="en-US" dirty="0"/>
+              <a:t>The Blackbox Exporter is a standalone tool. Simply checking the availability of that service from the outside world.</a:t>
+            </a:r>
+          </a:p>
+          <a:p>
+            <a:endParaRPr lang="en-US" dirty="0"/>
+          </a:p>
+          <a:p>
+            <a:r>
+              <a:rPr lang="en-US" dirty="0"/>
+              <a:t>Can monitor multiple endpoints with a single Blackbox Exporter since Prometheus will send the instructions as part of a </a:t>
+            </a:r>
+          </a:p>
+          <a:p>
+            <a:r>
+              <a:rPr lang="en-US" dirty="0"/>
+              <a:t>request to the exporter. </a:t>
+            </a:r>
+          </a:p>
+          <a:p>
+            <a:endParaRPr lang="en-US" dirty="0"/>
+          </a:p>
+        </p:txBody>
+      </p:sp>
+    </p:spTree>
+    <p:extLst>
+      <p:ext uri="{BB962C8B-B14F-4D97-AF65-F5344CB8AC3E}">
+        <p14:creationId xmlns:p14="http://schemas.microsoft.com/office/powerpoint/2010/main" val="1386074541"/>
+      </p:ext>
+    </p:extLst>
+  </p:cSld>
+  <p:clrMapOvr>
+    <a:masterClrMapping/>
+  </p:clrMapOvr>
+</p:sld>
+</file>
+
+<file path=ppt/slides/slide21.xml><?xml version="1.0" encoding="utf-8"?>
+<p:sld xmlns:a="http://schemas.openxmlformats.org/drawingml/2006/main" xmlns:r="http://schemas.openxmlformats.org/officeDocument/2006/relationships" xmlns:p="http://schemas.openxmlformats.org/presentationml/2006/main">
+  <p:cSld>
+    <p:spTree>
+      <p:nvGrpSpPr>
+        <p:cNvPr id="1" name=""/>
+        <p:cNvGrpSpPr/>
+        <p:nvPr/>
+      </p:nvGrpSpPr>
+      <p:grpSpPr>
+        <a:xfrm>
+          <a:off x="0" y="0"/>
+          <a:ext cx="0" cy="0"/>
+          <a:chOff x="0" y="0"/>
+          <a:chExt cx="0" cy="0"/>
+        </a:xfrm>
+      </p:grpSpPr>
+      <p:sp>
+        <p:nvSpPr>
+          <p:cNvPr id="2" name="Title 1">
+            <a:extLst>
+              <a:ext uri="{FF2B5EF4-FFF2-40B4-BE49-F238E27FC236}">
+                <a16:creationId xmlns:a16="http://schemas.microsoft.com/office/drawing/2014/main" id="{300D04D3-183A-464E-89F2-E3F63F5C3111}"/>
+              </a:ext>
+            </a:extLst>
+          </p:cNvPr>
+          <p:cNvSpPr>
+            <a:spLocks noGrp="1"/>
+          </p:cNvSpPr>
+          <p:nvPr>
+            <p:ph type="title"/>
+          </p:nvPr>
+        </p:nvSpPr>
+        <p:spPr>
+          <a:xfrm>
+            <a:off x="581192" y="702156"/>
+            <a:ext cx="11029616" cy="564669"/>
+          </a:xfrm>
+        </p:spPr>
+        <p:txBody>
+          <a:bodyPr/>
+          <a:lstStyle/>
+          <a:p>
+            <a:r>
+              <a:rPr lang="en-US" dirty="0"/>
+              <a:t>INSTALLATION</a:t>
+            </a:r>
+          </a:p>
+        </p:txBody>
+      </p:sp>
+      <p:sp>
+        <p:nvSpPr>
+          <p:cNvPr id="5" name="TextBox 4">
+            <a:extLst>
+              <a:ext uri="{FF2B5EF4-FFF2-40B4-BE49-F238E27FC236}">
+                <a16:creationId xmlns:a16="http://schemas.microsoft.com/office/drawing/2014/main" id="{ACE7392E-C779-4326-938A-F7696BE82EF2}"/>
+              </a:ext>
+            </a:extLst>
+          </p:cNvPr>
+          <p:cNvSpPr txBox="1"/>
+          <p:nvPr/>
+        </p:nvSpPr>
+        <p:spPr>
+          <a:xfrm>
+            <a:off x="409575" y="1266825"/>
+            <a:ext cx="6096000" cy="369332"/>
+          </a:xfrm>
+          <a:prstGeom prst="rect">
+            <a:avLst/>
+          </a:prstGeom>
+          <a:noFill/>
+        </p:spPr>
+        <p:txBody>
+          <a:bodyPr wrap="square">
+            <a:spAutoFit/>
+          </a:bodyPr>
+          <a:lstStyle/>
+          <a:p>
+            <a:r>
+              <a:rPr lang="en-US" dirty="0"/>
+              <a:t>https://prometheus.io/download/#blackbox_exporter</a:t>
+            </a:r>
+          </a:p>
+        </p:txBody>
+      </p:sp>
+      <p:pic>
+        <p:nvPicPr>
+          <p:cNvPr id="7" name="Picture 6">
+            <a:extLst>
+              <a:ext uri="{FF2B5EF4-FFF2-40B4-BE49-F238E27FC236}">
+                <a16:creationId xmlns:a16="http://schemas.microsoft.com/office/drawing/2014/main" id="{AEDA7072-29F1-4E75-989A-32F6D988C046}"/>
+              </a:ext>
+            </a:extLst>
+          </p:cNvPr>
+          <p:cNvPicPr>
+            <a:picLocks noChangeAspect="1"/>
+          </p:cNvPicPr>
+          <p:nvPr/>
+        </p:nvPicPr>
+        <p:blipFill>
+          <a:blip r:embed="rId2"/>
+          <a:stretch>
+            <a:fillRect/>
+          </a:stretch>
+        </p:blipFill>
+        <p:spPr>
+          <a:xfrm>
+            <a:off x="0" y="1611980"/>
+            <a:ext cx="12192000" cy="439027"/>
+          </a:xfrm>
+          <a:prstGeom prst="rect">
+            <a:avLst/>
+          </a:prstGeom>
+        </p:spPr>
+      </p:pic>
+      <p:sp>
+        <p:nvSpPr>
+          <p:cNvPr id="9" name="TextBox 8">
+            <a:extLst>
+              <a:ext uri="{FF2B5EF4-FFF2-40B4-BE49-F238E27FC236}">
+                <a16:creationId xmlns:a16="http://schemas.microsoft.com/office/drawing/2014/main" id="{89463672-4DBB-4DD3-9584-7CD96529A878}"/>
+              </a:ext>
+            </a:extLst>
+          </p:cNvPr>
+          <p:cNvSpPr txBox="1"/>
+          <p:nvPr/>
+        </p:nvSpPr>
+        <p:spPr>
+          <a:xfrm>
+            <a:off x="-66676" y="4728764"/>
+            <a:ext cx="9877425" cy="369332"/>
+          </a:xfrm>
+          <a:prstGeom prst="rect">
+            <a:avLst/>
+          </a:prstGeom>
+          <a:noFill/>
+        </p:spPr>
+        <p:txBody>
+          <a:bodyPr wrap="square">
+            <a:spAutoFit/>
+          </a:bodyPr>
+          <a:lstStyle/>
+          <a:p>
+            <a:r>
+              <a:rPr lang="en-US" dirty="0"/>
+              <a:t>https://github.com/prometheus/blackbox_exporter/blob/master/CONFIGURATION.md</a:t>
+            </a:r>
+          </a:p>
+        </p:txBody>
+      </p:sp>
+      <p:pic>
+        <p:nvPicPr>
+          <p:cNvPr id="11" name="Picture 10">
+            <a:extLst>
+              <a:ext uri="{FF2B5EF4-FFF2-40B4-BE49-F238E27FC236}">
+                <a16:creationId xmlns:a16="http://schemas.microsoft.com/office/drawing/2014/main" id="{75EBC2A2-098A-4238-8761-3369E3792E45}"/>
+              </a:ext>
+            </a:extLst>
+          </p:cNvPr>
+          <p:cNvPicPr>
+            <a:picLocks noChangeAspect="1"/>
+          </p:cNvPicPr>
+          <p:nvPr/>
+        </p:nvPicPr>
+        <p:blipFill>
+          <a:blip r:embed="rId3"/>
+          <a:stretch>
+            <a:fillRect/>
+          </a:stretch>
+        </p:blipFill>
+        <p:spPr>
+          <a:xfrm>
+            <a:off x="0" y="2200826"/>
+            <a:ext cx="7362825" cy="2352675"/>
+          </a:xfrm>
+          <a:prstGeom prst="rect">
+            <a:avLst/>
+          </a:prstGeom>
+        </p:spPr>
+      </p:pic>
+      <p:pic>
+        <p:nvPicPr>
+          <p:cNvPr id="15" name="Picture 14">
+            <a:extLst>
+              <a:ext uri="{FF2B5EF4-FFF2-40B4-BE49-F238E27FC236}">
+                <a16:creationId xmlns:a16="http://schemas.microsoft.com/office/drawing/2014/main" id="{5B10812A-973D-46D7-BCD0-789053E62F61}"/>
+              </a:ext>
+            </a:extLst>
+          </p:cNvPr>
+          <p:cNvPicPr>
+            <a:picLocks noChangeAspect="1"/>
+          </p:cNvPicPr>
+          <p:nvPr/>
+        </p:nvPicPr>
+        <p:blipFill>
+          <a:blip r:embed="rId4"/>
+          <a:stretch>
+            <a:fillRect/>
+          </a:stretch>
+        </p:blipFill>
+        <p:spPr>
+          <a:xfrm>
+            <a:off x="0" y="5098096"/>
+            <a:ext cx="4200525" cy="1581150"/>
+          </a:xfrm>
+          <a:prstGeom prst="rect">
+            <a:avLst/>
+          </a:prstGeom>
+        </p:spPr>
+      </p:pic>
+    </p:spTree>
+    <p:extLst>
+      <p:ext uri="{BB962C8B-B14F-4D97-AF65-F5344CB8AC3E}">
+        <p14:creationId xmlns:p14="http://schemas.microsoft.com/office/powerpoint/2010/main" val="1630997674"/>
+      </p:ext>
+    </p:extLst>
+  </p:cSld>
+  <p:clrMapOvr>
+    <a:masterClrMapping/>
+  </p:clrMapOvr>
+</p:sld>
+</file>
+
+<file path=ppt/slides/slide22.xml><?xml version="1.0" encoding="utf-8"?>
+<p:sld xmlns:a="http://schemas.openxmlformats.org/drawingml/2006/main" xmlns:r="http://schemas.openxmlformats.org/officeDocument/2006/relationships" xmlns:p="http://schemas.openxmlformats.org/presentationml/2006/main">
+  <p:cSld>
+    <p:spTree>
+      <p:nvGrpSpPr>
+        <p:cNvPr id="1" name=""/>
+        <p:cNvGrpSpPr/>
+        <p:nvPr/>
+      </p:nvGrpSpPr>
+      <p:grpSpPr>
+        <a:xfrm>
+          <a:off x="0" y="0"/>
+          <a:ext cx="0" cy="0"/>
+          <a:chOff x="0" y="0"/>
+          <a:chExt cx="0" cy="0"/>
+        </a:xfrm>
+      </p:grpSpPr>
+      <p:sp>
+        <p:nvSpPr>
+          <p:cNvPr id="2" name="Title 1">
+            <a:extLst>
+              <a:ext uri="{FF2B5EF4-FFF2-40B4-BE49-F238E27FC236}">
+                <a16:creationId xmlns:a16="http://schemas.microsoft.com/office/drawing/2014/main" id="{25AFAADA-E157-42AE-BDDD-4B777AF0AA14}"/>
+              </a:ext>
+            </a:extLst>
+          </p:cNvPr>
+          <p:cNvSpPr>
+            <a:spLocks noGrp="1"/>
+          </p:cNvSpPr>
+          <p:nvPr>
+            <p:ph type="title"/>
+          </p:nvPr>
+        </p:nvSpPr>
+        <p:spPr>
+          <a:xfrm>
+            <a:off x="581192" y="702156"/>
+            <a:ext cx="11029616" cy="457200"/>
+          </a:xfrm>
+        </p:spPr>
+        <p:txBody>
+          <a:bodyPr>
+            <a:normAutofit fontScale="90000"/>
+          </a:bodyPr>
+          <a:lstStyle/>
+          <a:p>
+            <a:r>
+              <a:rPr lang="en-US" dirty="0"/>
+              <a:t>RUNNNING</a:t>
+            </a:r>
+          </a:p>
+        </p:txBody>
+      </p:sp>
+      <p:pic>
+        <p:nvPicPr>
+          <p:cNvPr id="5" name="Picture 4">
+            <a:extLst>
+              <a:ext uri="{FF2B5EF4-FFF2-40B4-BE49-F238E27FC236}">
+                <a16:creationId xmlns:a16="http://schemas.microsoft.com/office/drawing/2014/main" id="{A8CC3B53-CA04-45FE-A205-11D1ED135B88}"/>
+              </a:ext>
+            </a:extLst>
+          </p:cNvPr>
+          <p:cNvPicPr>
+            <a:picLocks noChangeAspect="1"/>
+          </p:cNvPicPr>
+          <p:nvPr/>
+        </p:nvPicPr>
+        <p:blipFill>
+          <a:blip r:embed="rId2"/>
+          <a:stretch>
+            <a:fillRect/>
+          </a:stretch>
+        </p:blipFill>
+        <p:spPr>
+          <a:xfrm>
+            <a:off x="352258" y="1476375"/>
+            <a:ext cx="11258550" cy="457200"/>
+          </a:xfrm>
+          <a:prstGeom prst="rect">
+            <a:avLst/>
+          </a:prstGeom>
+        </p:spPr>
+      </p:pic>
+      <p:pic>
+        <p:nvPicPr>
+          <p:cNvPr id="7" name="Picture 6">
+            <a:extLst>
+              <a:ext uri="{FF2B5EF4-FFF2-40B4-BE49-F238E27FC236}">
+                <a16:creationId xmlns:a16="http://schemas.microsoft.com/office/drawing/2014/main" id="{9A150EF4-73F1-4760-8103-5FCBD230FF32}"/>
+              </a:ext>
+            </a:extLst>
+          </p:cNvPr>
+          <p:cNvPicPr>
+            <a:picLocks noChangeAspect="1"/>
+          </p:cNvPicPr>
+          <p:nvPr/>
+        </p:nvPicPr>
+        <p:blipFill>
+          <a:blip r:embed="rId3"/>
+          <a:stretch>
+            <a:fillRect/>
+          </a:stretch>
+        </p:blipFill>
+        <p:spPr>
+          <a:xfrm>
+            <a:off x="352258" y="2250594"/>
+            <a:ext cx="9705975" cy="1895475"/>
+          </a:xfrm>
+          <a:prstGeom prst="rect">
+            <a:avLst/>
+          </a:prstGeom>
+        </p:spPr>
+      </p:pic>
+    </p:spTree>
+    <p:extLst>
+      <p:ext uri="{BB962C8B-B14F-4D97-AF65-F5344CB8AC3E}">
+        <p14:creationId xmlns:p14="http://schemas.microsoft.com/office/powerpoint/2010/main" val="2735868556"/>
+      </p:ext>
+    </p:extLst>
+  </p:cSld>
+  <p:clrMapOvr>
+    <a:masterClrMapping/>
+  </p:clrMapOvr>
+</p:sld>
+</file>
+
+<file path=ppt/slides/slide23.xml><?xml version="1.0" encoding="utf-8"?>
+<p:sld xmlns:a="http://schemas.openxmlformats.org/drawingml/2006/main" xmlns:r="http://schemas.openxmlformats.org/officeDocument/2006/relationships" xmlns:p="http://schemas.openxmlformats.org/presentationml/2006/main">
+  <p:cSld>
+    <p:spTree>
+      <p:nvGrpSpPr>
+        <p:cNvPr id="1" name=""/>
+        <p:cNvGrpSpPr/>
+        <p:nvPr/>
+      </p:nvGrpSpPr>
+      <p:grpSpPr>
+        <a:xfrm>
+          <a:off x="0" y="0"/>
+          <a:ext cx="0" cy="0"/>
+          <a:chOff x="0" y="0"/>
+          <a:chExt cx="0" cy="0"/>
+        </a:xfrm>
+      </p:grpSpPr>
+      <p:sp>
+        <p:nvSpPr>
+          <p:cNvPr id="2" name="Title 1">
+            <a:extLst>
+              <a:ext uri="{FF2B5EF4-FFF2-40B4-BE49-F238E27FC236}">
+                <a16:creationId xmlns:a16="http://schemas.microsoft.com/office/drawing/2014/main" id="{820D34A6-6899-4548-AA7F-F5DF6813FA16}"/>
+              </a:ext>
+            </a:extLst>
+          </p:cNvPr>
+          <p:cNvSpPr>
+            <a:spLocks noGrp="1"/>
+          </p:cNvSpPr>
+          <p:nvPr>
+            <p:ph type="title"/>
+          </p:nvPr>
+        </p:nvSpPr>
+        <p:spPr>
+          <a:xfrm>
+            <a:off x="581192" y="702156"/>
+            <a:ext cx="11029616" cy="450369"/>
+          </a:xfrm>
+        </p:spPr>
+        <p:txBody>
+          <a:bodyPr>
+            <a:normAutofit fontScale="90000"/>
+          </a:bodyPr>
+          <a:lstStyle/>
+          <a:p>
+            <a:r>
+              <a:rPr lang="en-US" dirty="0"/>
+              <a:t>POMETHEUS CONFIGURATION</a:t>
+            </a:r>
+          </a:p>
+        </p:txBody>
+      </p:sp>
+      <p:pic>
+        <p:nvPicPr>
+          <p:cNvPr id="7" name="Picture 6">
+            <a:extLst>
+              <a:ext uri="{FF2B5EF4-FFF2-40B4-BE49-F238E27FC236}">
+                <a16:creationId xmlns:a16="http://schemas.microsoft.com/office/drawing/2014/main" id="{C1A150C1-6030-4049-91C4-94237538DB33}"/>
+              </a:ext>
+            </a:extLst>
+          </p:cNvPr>
+          <p:cNvPicPr>
+            <a:picLocks noChangeAspect="1"/>
+          </p:cNvPicPr>
+          <p:nvPr/>
+        </p:nvPicPr>
+        <p:blipFill>
+          <a:blip r:embed="rId2"/>
+          <a:stretch>
+            <a:fillRect/>
+          </a:stretch>
+        </p:blipFill>
+        <p:spPr>
+          <a:xfrm>
+            <a:off x="235527" y="1152524"/>
+            <a:ext cx="7091795" cy="5003320"/>
+          </a:xfrm>
+          <a:prstGeom prst="rect">
+            <a:avLst/>
+          </a:prstGeom>
+        </p:spPr>
+      </p:pic>
+      <p:pic>
+        <p:nvPicPr>
+          <p:cNvPr id="9" name="Picture 8">
+            <a:extLst>
+              <a:ext uri="{FF2B5EF4-FFF2-40B4-BE49-F238E27FC236}">
+                <a16:creationId xmlns:a16="http://schemas.microsoft.com/office/drawing/2014/main" id="{F34C738E-660D-4030-8FA3-01B6D6F3D476}"/>
+              </a:ext>
+            </a:extLst>
+          </p:cNvPr>
+          <p:cNvPicPr>
+            <a:picLocks noChangeAspect="1"/>
+          </p:cNvPicPr>
+          <p:nvPr/>
+        </p:nvPicPr>
+        <p:blipFill>
+          <a:blip r:embed="rId3"/>
+          <a:stretch>
+            <a:fillRect/>
+          </a:stretch>
+        </p:blipFill>
+        <p:spPr>
+          <a:xfrm>
+            <a:off x="152567" y="6248400"/>
+            <a:ext cx="10163175" cy="533400"/>
+          </a:xfrm>
+          <a:prstGeom prst="rect">
+            <a:avLst/>
+          </a:prstGeom>
+        </p:spPr>
+      </p:pic>
+    </p:spTree>
+    <p:extLst>
+      <p:ext uri="{BB962C8B-B14F-4D97-AF65-F5344CB8AC3E}">
+        <p14:creationId xmlns:p14="http://schemas.microsoft.com/office/powerpoint/2010/main" val="752197980"/>
+      </p:ext>
+    </p:extLst>
+  </p:cSld>
+  <p:clrMapOvr>
+    <a:masterClrMapping/>
+  </p:clrMapOvr>
+</p:sld>
+</file>
+
+<file path=ppt/slides/slide24.xml><?xml version="1.0" encoding="utf-8"?>
+<p:sld xmlns:a="http://schemas.openxmlformats.org/drawingml/2006/main" xmlns:r="http://schemas.openxmlformats.org/officeDocument/2006/relationships" xmlns:p="http://schemas.openxmlformats.org/presentationml/2006/main">
+  <p:cSld>
+    <p:spTree>
+      <p:nvGrpSpPr>
+        <p:cNvPr id="1" name=""/>
+        <p:cNvGrpSpPr/>
+        <p:nvPr/>
+      </p:nvGrpSpPr>
+      <p:grpSpPr>
+        <a:xfrm>
+          <a:off x="0" y="0"/>
+          <a:ext cx="0" cy="0"/>
+          <a:chOff x="0" y="0"/>
+          <a:chExt cx="0" cy="0"/>
+        </a:xfrm>
+      </p:grpSpPr>
+      <p:sp>
+        <p:nvSpPr>
+          <p:cNvPr id="2" name="Title 1">
+            <a:extLst>
+              <a:ext uri="{FF2B5EF4-FFF2-40B4-BE49-F238E27FC236}">
+                <a16:creationId xmlns:a16="http://schemas.microsoft.com/office/drawing/2014/main" id="{A2D53703-CBEB-460A-ACAC-98A7B0467448}"/>
+              </a:ext>
+            </a:extLst>
+          </p:cNvPr>
+          <p:cNvSpPr>
+            <a:spLocks noGrp="1"/>
+          </p:cNvSpPr>
+          <p:nvPr>
+            <p:ph type="title"/>
+          </p:nvPr>
+        </p:nvSpPr>
+        <p:spPr>
+          <a:xfrm>
+            <a:off x="581192" y="702156"/>
+            <a:ext cx="11029616" cy="678969"/>
+          </a:xfrm>
+        </p:spPr>
+        <p:txBody>
+          <a:bodyPr/>
+          <a:lstStyle/>
+          <a:p>
+            <a:r>
+              <a:rPr lang="en-US" dirty="0"/>
+              <a:t>Observe Prometheus </a:t>
+            </a:r>
+            <a:r>
+              <a:rPr lang="en-US" dirty="0" err="1"/>
+              <a:t>tARGETS</a:t>
+            </a:r>
+            <a:endParaRPr lang="en-US" dirty="0"/>
+          </a:p>
+        </p:txBody>
+      </p:sp>
+      <p:pic>
+        <p:nvPicPr>
+          <p:cNvPr id="5" name="Picture 4">
+            <a:extLst>
+              <a:ext uri="{FF2B5EF4-FFF2-40B4-BE49-F238E27FC236}">
+                <a16:creationId xmlns:a16="http://schemas.microsoft.com/office/drawing/2014/main" id="{0E5E2635-F991-4999-B4A3-1A366C4F448E}"/>
+              </a:ext>
+            </a:extLst>
+          </p:cNvPr>
+          <p:cNvPicPr>
+            <a:picLocks noChangeAspect="1"/>
+          </p:cNvPicPr>
+          <p:nvPr/>
+        </p:nvPicPr>
+        <p:blipFill>
+          <a:blip r:embed="rId2"/>
+          <a:stretch>
+            <a:fillRect/>
+          </a:stretch>
+        </p:blipFill>
+        <p:spPr>
+          <a:xfrm>
+            <a:off x="119062" y="1381125"/>
+            <a:ext cx="10906125" cy="4629150"/>
+          </a:xfrm>
+          <a:prstGeom prst="rect">
+            <a:avLst/>
+          </a:prstGeom>
+        </p:spPr>
+      </p:pic>
+    </p:spTree>
+    <p:extLst>
+      <p:ext uri="{BB962C8B-B14F-4D97-AF65-F5344CB8AC3E}">
+        <p14:creationId xmlns:p14="http://schemas.microsoft.com/office/powerpoint/2010/main" val="12073918"/>
+      </p:ext>
+    </p:extLst>
+  </p:cSld>
+  <p:clrMapOvr>
+    <a:masterClrMapping/>
+  </p:clrMapOvr>
+</p:sld>
+</file>
+
+<file path=ppt/slides/slide25.xml><?xml version="1.0" encoding="utf-8"?>
+<p:sld xmlns:a="http://schemas.openxmlformats.org/drawingml/2006/main" xmlns:r="http://schemas.openxmlformats.org/officeDocument/2006/relationships" xmlns:p="http://schemas.openxmlformats.org/presentationml/2006/main">
+  <p:cSld>
+    <p:spTree>
+      <p:nvGrpSpPr>
+        <p:cNvPr id="1" name=""/>
+        <p:cNvGrpSpPr/>
+        <p:nvPr/>
+      </p:nvGrpSpPr>
+      <p:grpSpPr>
+        <a:xfrm>
+          <a:off x="0" y="0"/>
+          <a:ext cx="0" cy="0"/>
+          <a:chOff x="0" y="0"/>
+          <a:chExt cx="0" cy="0"/>
+        </a:xfrm>
+      </p:grpSpPr>
+      <p:sp>
+        <p:nvSpPr>
+          <p:cNvPr id="2" name="Title 1">
+            <a:extLst>
+              <a:ext uri="{FF2B5EF4-FFF2-40B4-BE49-F238E27FC236}">
+                <a16:creationId xmlns:a16="http://schemas.microsoft.com/office/drawing/2014/main" id="{5830F037-ECFB-4A2D-98BB-481B0095A6CA}"/>
+              </a:ext>
+            </a:extLst>
+          </p:cNvPr>
+          <p:cNvSpPr>
+            <a:spLocks noGrp="1"/>
+          </p:cNvSpPr>
+          <p:nvPr>
+            <p:ph type="title"/>
+          </p:nvPr>
+        </p:nvSpPr>
+        <p:spPr>
+          <a:xfrm>
+            <a:off x="581192" y="702156"/>
+            <a:ext cx="11029616" cy="507519"/>
+          </a:xfrm>
+        </p:spPr>
+        <p:txBody>
+          <a:bodyPr>
+            <a:normAutofit fontScale="90000"/>
+          </a:bodyPr>
+          <a:lstStyle/>
+          <a:p>
+            <a:r>
+              <a:rPr lang="en-US"/>
+              <a:t>Starts with PROBE</a:t>
+            </a:r>
+            <a:endParaRPr lang="en-US" dirty="0"/>
+          </a:p>
+        </p:txBody>
+      </p:sp>
+      <p:pic>
+        <p:nvPicPr>
+          <p:cNvPr id="5" name="Picture 4">
+            <a:extLst>
+              <a:ext uri="{FF2B5EF4-FFF2-40B4-BE49-F238E27FC236}">
+                <a16:creationId xmlns:a16="http://schemas.microsoft.com/office/drawing/2014/main" id="{26F464E5-DC35-47F1-8965-85DB77C1C8CC}"/>
+              </a:ext>
+            </a:extLst>
+          </p:cNvPr>
+          <p:cNvPicPr>
+            <a:picLocks noChangeAspect="1"/>
+          </p:cNvPicPr>
+          <p:nvPr/>
+        </p:nvPicPr>
+        <p:blipFill>
+          <a:blip r:embed="rId2"/>
+          <a:stretch>
+            <a:fillRect/>
+          </a:stretch>
+        </p:blipFill>
+        <p:spPr>
+          <a:xfrm>
+            <a:off x="0" y="1209675"/>
+            <a:ext cx="12192000" cy="2848929"/>
+          </a:xfrm>
+          <a:prstGeom prst="rect">
+            <a:avLst/>
+          </a:prstGeom>
+        </p:spPr>
+      </p:pic>
+      <p:pic>
+        <p:nvPicPr>
+          <p:cNvPr id="7" name="Picture 6">
+            <a:extLst>
+              <a:ext uri="{FF2B5EF4-FFF2-40B4-BE49-F238E27FC236}">
+                <a16:creationId xmlns:a16="http://schemas.microsoft.com/office/drawing/2014/main" id="{95C12779-592A-4544-B36E-F5E124DCFA20}"/>
+              </a:ext>
+            </a:extLst>
+          </p:cNvPr>
+          <p:cNvPicPr>
+            <a:picLocks noChangeAspect="1"/>
+          </p:cNvPicPr>
+          <p:nvPr/>
+        </p:nvPicPr>
+        <p:blipFill>
+          <a:blip r:embed="rId3"/>
+          <a:stretch>
+            <a:fillRect/>
+          </a:stretch>
+        </p:blipFill>
+        <p:spPr>
+          <a:xfrm>
+            <a:off x="66675" y="4295775"/>
+            <a:ext cx="12192000" cy="2440908"/>
+          </a:xfrm>
+          <a:prstGeom prst="rect">
+            <a:avLst/>
+          </a:prstGeom>
+        </p:spPr>
+      </p:pic>
+    </p:spTree>
+    <p:extLst>
+      <p:ext uri="{BB962C8B-B14F-4D97-AF65-F5344CB8AC3E}">
+        <p14:creationId xmlns:p14="http://schemas.microsoft.com/office/powerpoint/2010/main" val="2500135228"/>
       </p:ext>
     </p:extLst>
   </p:cSld>
@@ -6058,7 +7557,7 @@
           <p:nvPr>
             <p:extLst>
               <p:ext uri="{D42A27DB-BD31-4B8C-83A1-F6EECF244321}">
-                <p14:modId xmlns:p14="http://schemas.microsoft.com/office/powerpoint/2010/main" val="58771861"/>
+                <p14:modId xmlns:p14="http://schemas.microsoft.com/office/powerpoint/2010/main" val="1487684541"/>
               </p:ext>
             </p:extLst>
           </p:nvPr>
@@ -6444,24 +7943,6 @@
 </file>
 
 <file path=customXml/item1.xml><?xml version="1.0" encoding="utf-8"?>
-<p:properties xmlns:p="http://schemas.microsoft.com/office/2006/metadata/properties" xmlns:xsi="http://www.w3.org/2001/XMLSchema-instance" xmlns:pc="http://schemas.microsoft.com/office/infopath/2007/PartnerControls">
-  <documentManagement>
-    <Status xmlns="71af3243-3dd4-4a8d-8c0d-dd76da1f02a5">Not started</Status>
-    <MediaServiceKeyPoints xmlns="71af3243-3dd4-4a8d-8c0d-dd76da1f02a5" xsi:nil="true"/>
-  </documentManagement>
-</p:properties>
-</file>
-
-<file path=customXml/item2.xml><?xml version="1.0" encoding="utf-8"?>
-<?mso-contentType ?>
-<FormTemplates xmlns="http://schemas.microsoft.com/sharepoint/v3/contenttype/forms">
-  <Display>DocumentLibraryForm</Display>
-  <Edit>DocumentLibraryForm</Edit>
-  <New>DocumentLibraryForm</New>
-</FormTemplates>
-</file>
-
-<file path=customXml/item3.xml><?xml version="1.0" encoding="utf-8"?>
 <ct:contentTypeSchema xmlns:ct="http://schemas.microsoft.com/office/2006/metadata/contentType" xmlns:ma="http://schemas.microsoft.com/office/2006/metadata/properties/metaAttributes" ct:_="" ma:_="" ma:contentTypeName="Document" ma:contentTypeID="0x01010079F111ED35F8CC479449609E8A0923A6" ma:contentTypeVersion="12" ma:contentTypeDescription="Create a new document." ma:contentTypeScope="" ma:versionID="a410dd7f93c95333ffa1b60ed6adedd1">
   <xsd:schema xmlns:xsd="http://www.w3.org/2001/XMLSchema" xmlns:xs="http://www.w3.org/2001/XMLSchema" xmlns:p="http://schemas.microsoft.com/office/2006/metadata/properties" xmlns:ns2="71af3243-3dd4-4a8d-8c0d-dd76da1f02a5" xmlns:ns3="16c05727-aa75-4e4a-9b5f-8a80a1165891" targetNamespace="http://schemas.microsoft.com/office/2006/metadata/properties" ma:root="true" ma:fieldsID="a936d9baba76aa3866493feff160faab" ns2:_="" ns3:_="">
     <xsd:import namespace="71af3243-3dd4-4a8d-8c0d-dd76da1f02a5"/>
@@ -6682,25 +8163,25 @@
 </ct:contentTypeSchema>
 </file>
 
-<file path=customXml/itemProps1.xml><?xml version="1.0" encoding="utf-8"?>
-<ds:datastoreItem xmlns:ds="http://schemas.openxmlformats.org/officeDocument/2006/customXml" ds:itemID="{8D289AE2-D2AE-49D1-AFAC-3A79F6794255}">
-  <ds:schemaRefs>
-    <ds:schemaRef ds:uri="http://schemas.microsoft.com/office/2006/metadata/properties"/>
-    <ds:schemaRef ds:uri="http://schemas.microsoft.com/office/infopath/2007/PartnerControls"/>
-    <ds:schemaRef ds:uri="71af3243-3dd4-4a8d-8c0d-dd76da1f02a5"/>
-  </ds:schemaRefs>
-</ds:datastoreItem>
+<file path=customXml/item2.xml><?xml version="1.0" encoding="utf-8"?>
+<p:properties xmlns:p="http://schemas.microsoft.com/office/2006/metadata/properties" xmlns:xsi="http://www.w3.org/2001/XMLSchema-instance" xmlns:pc="http://schemas.microsoft.com/office/infopath/2007/PartnerControls">
+  <documentManagement>
+    <Status xmlns="71af3243-3dd4-4a8d-8c0d-dd76da1f02a5">Not started</Status>
+    <MediaServiceKeyPoints xmlns="71af3243-3dd4-4a8d-8c0d-dd76da1f02a5" xsi:nil="true"/>
+  </documentManagement>
+</p:properties>
 </file>
 
-<file path=customXml/itemProps2.xml><?xml version="1.0" encoding="utf-8"?>
-<ds:datastoreItem xmlns:ds="http://schemas.openxmlformats.org/officeDocument/2006/customXml" ds:itemID="{927BD4C1-B6B1-4715-ABF9-E660A51A4EA0}">
-  <ds:schemaRefs>
-    <ds:schemaRef ds:uri="http://schemas.microsoft.com/sharepoint/v3/contenttype/forms"/>
-  </ds:schemaRefs>
-</ds:datastoreItem>
+<file path=customXml/item3.xml><?xml version="1.0" encoding="utf-8"?>
+<?mso-contentType ?>
+<FormTemplates xmlns="http://schemas.microsoft.com/sharepoint/v3/contenttype/forms">
+  <Display>DocumentLibraryForm</Display>
+  <Edit>DocumentLibraryForm</Edit>
+  <New>DocumentLibraryForm</New>
+</FormTemplates>
 </file>
 
-<file path=customXml/itemProps3.xml><?xml version="1.0" encoding="utf-8"?>
+<file path=customXml/itemProps1.xml><?xml version="1.0" encoding="utf-8"?>
 <ds:datastoreItem xmlns:ds="http://schemas.openxmlformats.org/officeDocument/2006/customXml" ds:itemID="{41E7CA09-9778-4414-AE97-8064B12DA30E}">
   <ds:schemaRefs>
     <ds:schemaRef ds:uri="http://schemas.microsoft.com/office/2006/metadata/contentType"/>
@@ -6717,4 +8198,22 @@
     <ds:schemaRef ds:uri="http://schemas.microsoft.com/internal/obd"/>
   </ds:schemaRefs>
 </ds:datastoreItem>
+</file>
+
+<file path=customXml/itemProps2.xml><?xml version="1.0" encoding="utf-8"?>
+<ds:datastoreItem xmlns:ds="http://schemas.openxmlformats.org/officeDocument/2006/customXml" ds:itemID="{8D289AE2-D2AE-49D1-AFAC-3A79F6794255}">
+  <ds:schemaRefs>
+    <ds:schemaRef ds:uri="http://schemas.microsoft.com/office/2006/metadata/properties"/>
+    <ds:schemaRef ds:uri="http://schemas.microsoft.com/office/infopath/2007/PartnerControls"/>
+    <ds:schemaRef ds:uri="71af3243-3dd4-4a8d-8c0d-dd76da1f02a5"/>
+  </ds:schemaRefs>
+</ds:datastoreItem>
+</file>
+
+<file path=customXml/itemProps3.xml><?xml version="1.0" encoding="utf-8"?>
+<ds:datastoreItem xmlns:ds="http://schemas.openxmlformats.org/officeDocument/2006/customXml" ds:itemID="{927BD4C1-B6B1-4715-ABF9-E660A51A4EA0}">
+  <ds:schemaRefs>
+    <ds:schemaRef ds:uri="http://schemas.microsoft.com/sharepoint/v3/contenttype/forms"/>
+  </ds:schemaRefs>
+</ds:datastoreItem>
 </file>
--- a/Presentation/PrometheusExporters.pptx
+++ b/Presentation/PrometheusExporters.pptx
@@ -374,7 +374,7 @@
           <a:p>
             <a:fld id="{ED291B17-9318-49DB-B28B-6E5994AE9581}" type="datetime1">
               <a:rPr lang="en-US" smtClean="0"/>
-              <a:t>7/22/2021</a:t>
+              <a:t>7/23/2021</a:t>
             </a:fld>
             <a:endParaRPr lang="en-US" dirty="0"/>
           </a:p>
@@ -577,7 +577,7 @@
           <a:p>
             <a:fld id="{2CED4963-E985-44C4-B8C4-FDD613B7C2F8}" type="datetime1">
               <a:rPr lang="en-US" smtClean="0"/>
-              <a:t>7/22/2021</a:t>
+              <a:t>7/23/2021</a:t>
             </a:fld>
             <a:endParaRPr lang="en-US" dirty="0"/>
           </a:p>
@@ -939,7 +939,7 @@
           <a:p>
             <a:fld id="{ED291B17-9318-49DB-B28B-6E5994AE9581}" type="datetime1">
               <a:rPr lang="en-US" smtClean="0"/>
-              <a:t>7/22/2021</a:t>
+              <a:t>7/23/2021</a:t>
             </a:fld>
             <a:endParaRPr lang="en-US" dirty="0"/>
           </a:p>
@@ -1137,7 +1137,7 @@
           <a:p>
             <a:fld id="{78DD82B9-B8EE-4375-B6FF-88FA6ABB15D9}" type="datetime1">
               <a:rPr lang="en-US" smtClean="0"/>
-              <a:t>7/22/2021</a:t>
+              <a:t>7/23/2021</a:t>
             </a:fld>
             <a:endParaRPr lang="en-US" dirty="0"/>
           </a:p>
@@ -1449,7 +1449,7 @@
           <a:p>
             <a:fld id="{B2497495-0637-405E-AE64-5CC7506D51F5}" type="datetime1">
               <a:rPr lang="en-US" smtClean="0"/>
-              <a:t>7/22/2021</a:t>
+              <a:t>7/23/2021</a:t>
             </a:fld>
             <a:endParaRPr lang="en-US" dirty="0"/>
           </a:p>
@@ -1702,7 +1702,7 @@
           <a:p>
             <a:fld id="{7BFFD690-9426-415D-8B65-26881E07B2D4}" type="datetime1">
               <a:rPr lang="en-US" smtClean="0"/>
-              <a:t>7/22/2021</a:t>
+              <a:t>7/23/2021</a:t>
             </a:fld>
             <a:endParaRPr lang="en-US" dirty="0"/>
           </a:p>
@@ -2124,7 +2124,7 @@
           <a:p>
             <a:fld id="{04C4989A-474C-40DE-95B9-011C28B71673}" type="datetime1">
               <a:rPr lang="en-US" smtClean="0"/>
-              <a:t>7/22/2021</a:t>
+              <a:t>7/23/2021</a:t>
             </a:fld>
             <a:endParaRPr lang="en-US" dirty="0"/>
           </a:p>
@@ -2247,7 +2247,7 @@
           <a:p>
             <a:fld id="{5DB4ED54-5B5E-4A04-93D3-5772E3CE3818}" type="datetime1">
               <a:rPr lang="en-US" smtClean="0"/>
-              <a:t>7/22/2021</a:t>
+              <a:t>7/23/2021</a:t>
             </a:fld>
             <a:endParaRPr lang="en-US" dirty="0"/>
           </a:p>
@@ -2342,7 +2342,7 @@
           <a:p>
             <a:fld id="{4EDE50D6-574B-40AF-946F-D52A04ADE379}" type="datetime1">
               <a:rPr lang="en-US" smtClean="0"/>
-              <a:t>7/22/2021</a:t>
+              <a:t>7/23/2021</a:t>
             </a:fld>
             <a:endParaRPr lang="en-US" dirty="0"/>
           </a:p>
@@ -2719,7 +2719,7 @@
           <a:p>
             <a:fld id="{D82884F1-FFEA-405F-9602-3DCA865EDA4E}" type="datetime1">
               <a:rPr lang="en-US" smtClean="0"/>
-              <a:t>7/22/2021</a:t>
+              <a:t>7/23/2021</a:t>
             </a:fld>
             <a:endParaRPr lang="en-US" dirty="0"/>
           </a:p>
@@ -3012,7 +3012,7 @@
           <a:p>
             <a:fld id="{7E18DB4A-8810-4A10-AD5C-D5E2C667F5B3}" type="datetime1">
               <a:rPr lang="en-US" smtClean="0"/>
-              <a:t>7/22/2021</a:t>
+              <a:t>7/23/2021</a:t>
             </a:fld>
             <a:endParaRPr lang="en-US" dirty="0"/>
           </a:p>
@@ -3227,7 +3227,7 @@
           <a:p>
             <a:fld id="{ED291B17-9318-49DB-B28B-6E5994AE9581}" type="datetime1">
               <a:rPr lang="en-US" smtClean="0"/>
-              <a:t>7/22/2021</a:t>
+              <a:t>7/23/2021</a:t>
             </a:fld>
             <a:endParaRPr lang="en-US" dirty="0"/>
           </a:p>
@@ -7557,7 +7557,7 @@
           <p:nvPr>
             <p:extLst>
               <p:ext uri="{D42A27DB-BD31-4B8C-83A1-F6EECF244321}">
-                <p14:modId xmlns:p14="http://schemas.microsoft.com/office/powerpoint/2010/main" val="1487684541"/>
+                <p14:modId xmlns:p14="http://schemas.microsoft.com/office/powerpoint/2010/main" val="2568251099"/>
               </p:ext>
             </p:extLst>
           </p:nvPr>
@@ -7943,6 +7943,24 @@
 </file>
 
 <file path=customXml/item1.xml><?xml version="1.0" encoding="utf-8"?>
+<?mso-contentType ?>
+<FormTemplates xmlns="http://schemas.microsoft.com/sharepoint/v3/contenttype/forms">
+  <Display>DocumentLibraryForm</Display>
+  <Edit>DocumentLibraryForm</Edit>
+  <New>DocumentLibraryForm</New>
+</FormTemplates>
+</file>
+
+<file path=customXml/item2.xml><?xml version="1.0" encoding="utf-8"?>
+<p:properties xmlns:p="http://schemas.microsoft.com/office/2006/metadata/properties" xmlns:xsi="http://www.w3.org/2001/XMLSchema-instance" xmlns:pc="http://schemas.microsoft.com/office/infopath/2007/PartnerControls">
+  <documentManagement>
+    <Status xmlns="71af3243-3dd4-4a8d-8c0d-dd76da1f02a5">Not started</Status>
+    <MediaServiceKeyPoints xmlns="71af3243-3dd4-4a8d-8c0d-dd76da1f02a5" xsi:nil="true"/>
+  </documentManagement>
+</p:properties>
+</file>
+
+<file path=customXml/item3.xml><?xml version="1.0" encoding="utf-8"?>
 <ct:contentTypeSchema xmlns:ct="http://schemas.microsoft.com/office/2006/metadata/contentType" xmlns:ma="http://schemas.microsoft.com/office/2006/metadata/properties/metaAttributes" ct:_="" ma:_="" ma:contentTypeName="Document" ma:contentTypeID="0x01010079F111ED35F8CC479449609E8A0923A6" ma:contentTypeVersion="12" ma:contentTypeDescription="Create a new document." ma:contentTypeScope="" ma:versionID="a410dd7f93c95333ffa1b60ed6adedd1">
   <xsd:schema xmlns:xsd="http://www.w3.org/2001/XMLSchema" xmlns:xs="http://www.w3.org/2001/XMLSchema" xmlns:p="http://schemas.microsoft.com/office/2006/metadata/properties" xmlns:ns2="71af3243-3dd4-4a8d-8c0d-dd76da1f02a5" xmlns:ns3="16c05727-aa75-4e4a-9b5f-8a80a1165891" targetNamespace="http://schemas.microsoft.com/office/2006/metadata/properties" ma:root="true" ma:fieldsID="a936d9baba76aa3866493feff160faab" ns2:_="" ns3:_="">
     <xsd:import namespace="71af3243-3dd4-4a8d-8c0d-dd76da1f02a5"/>
@@ -8163,25 +8181,25 @@
 </ct:contentTypeSchema>
 </file>
 
-<file path=customXml/item2.xml><?xml version="1.0" encoding="utf-8"?>
-<p:properties xmlns:p="http://schemas.microsoft.com/office/2006/metadata/properties" xmlns:xsi="http://www.w3.org/2001/XMLSchema-instance" xmlns:pc="http://schemas.microsoft.com/office/infopath/2007/PartnerControls">
-  <documentManagement>
-    <Status xmlns="71af3243-3dd4-4a8d-8c0d-dd76da1f02a5">Not started</Status>
-    <MediaServiceKeyPoints xmlns="71af3243-3dd4-4a8d-8c0d-dd76da1f02a5" xsi:nil="true"/>
-  </documentManagement>
-</p:properties>
+<file path=customXml/itemProps1.xml><?xml version="1.0" encoding="utf-8"?>
+<ds:datastoreItem xmlns:ds="http://schemas.openxmlformats.org/officeDocument/2006/customXml" ds:itemID="{927BD4C1-B6B1-4715-ABF9-E660A51A4EA0}">
+  <ds:schemaRefs>
+    <ds:schemaRef ds:uri="http://schemas.microsoft.com/sharepoint/v3/contenttype/forms"/>
+  </ds:schemaRefs>
+</ds:datastoreItem>
 </file>
 
-<file path=customXml/item3.xml><?xml version="1.0" encoding="utf-8"?>
-<?mso-contentType ?>
-<FormTemplates xmlns="http://schemas.microsoft.com/sharepoint/v3/contenttype/forms">
-  <Display>DocumentLibraryForm</Display>
-  <Edit>DocumentLibraryForm</Edit>
-  <New>DocumentLibraryForm</New>
-</FormTemplates>
+<file path=customXml/itemProps2.xml><?xml version="1.0" encoding="utf-8"?>
+<ds:datastoreItem xmlns:ds="http://schemas.openxmlformats.org/officeDocument/2006/customXml" ds:itemID="{8D289AE2-D2AE-49D1-AFAC-3A79F6794255}">
+  <ds:schemaRefs>
+    <ds:schemaRef ds:uri="http://schemas.microsoft.com/office/2006/metadata/properties"/>
+    <ds:schemaRef ds:uri="http://schemas.microsoft.com/office/infopath/2007/PartnerControls"/>
+    <ds:schemaRef ds:uri="71af3243-3dd4-4a8d-8c0d-dd76da1f02a5"/>
+  </ds:schemaRefs>
+</ds:datastoreItem>
 </file>
 
-<file path=customXml/itemProps1.xml><?xml version="1.0" encoding="utf-8"?>
+<file path=customXml/itemProps3.xml><?xml version="1.0" encoding="utf-8"?>
 <ds:datastoreItem xmlns:ds="http://schemas.openxmlformats.org/officeDocument/2006/customXml" ds:itemID="{41E7CA09-9778-4414-AE97-8064B12DA30E}">
   <ds:schemaRefs>
     <ds:schemaRef ds:uri="http://schemas.microsoft.com/office/2006/metadata/contentType"/>
@@ -8198,22 +8216,4 @@
     <ds:schemaRef ds:uri="http://schemas.microsoft.com/internal/obd"/>
   </ds:schemaRefs>
 </ds:datastoreItem>
-</file>
-
-<file path=customXml/itemProps2.xml><?xml version="1.0" encoding="utf-8"?>
-<ds:datastoreItem xmlns:ds="http://schemas.openxmlformats.org/officeDocument/2006/customXml" ds:itemID="{8D289AE2-D2AE-49D1-AFAC-3A79F6794255}">
-  <ds:schemaRefs>
-    <ds:schemaRef ds:uri="http://schemas.microsoft.com/office/2006/metadata/properties"/>
-    <ds:schemaRef ds:uri="http://schemas.microsoft.com/office/infopath/2007/PartnerControls"/>
-    <ds:schemaRef ds:uri="71af3243-3dd4-4a8d-8c0d-dd76da1f02a5"/>
-  </ds:schemaRefs>
-</ds:datastoreItem>
-</file>
-
-<file path=customXml/itemProps3.xml><?xml version="1.0" encoding="utf-8"?>
-<ds:datastoreItem xmlns:ds="http://schemas.openxmlformats.org/officeDocument/2006/customXml" ds:itemID="{927BD4C1-B6B1-4715-ABF9-E660A51A4EA0}">
-  <ds:schemaRefs>
-    <ds:schemaRef ds:uri="http://schemas.microsoft.com/sharepoint/v3/contenttype/forms"/>
-  </ds:schemaRefs>
-</ds:datastoreItem>
 </file>